--- a/Project 1/Ye_Shafizur_Project_1.pptx
+++ b/Project 1/Ye_Shafizur_Project_1.pptx
@@ -5,7 +5,7 @@
     <p:sldMasterId id="2147483684" r:id="rId1"/>
   </p:sldMasterIdLst>
   <p:notesMasterIdLst>
-    <p:notesMasterId r:id="rId13"/>
+    <p:notesMasterId r:id="rId12"/>
   </p:notesMasterIdLst>
   <p:sldIdLst>
     <p:sldId id="358" r:id="rId2"/>
@@ -18,38 +18,37 @@
     <p:sldId id="730" r:id="rId9"/>
     <p:sldId id="732" r:id="rId10"/>
     <p:sldId id="733" r:id="rId11"/>
-    <p:sldId id="538" r:id="rId12"/>
   </p:sldIdLst>
   <p:sldSz cx="9144000" cy="6858000" type="screen4x3"/>
   <p:notesSz cx="6858000" cy="9144000"/>
   <p:embeddedFontLst>
     <p:embeddedFont>
-      <p:font typeface="等线" panose="02010600030101010101" pitchFamily="2" charset="-122"/>
-      <p:regular r:id="rId14"/>
-      <p:bold r:id="rId15"/>
-    </p:embeddedFont>
-    <p:embeddedFont>
       <p:font typeface="Calibri" panose="020F0502020204030204" pitchFamily="34" charset="0"/>
-      <p:regular r:id="rId16"/>
-      <p:bold r:id="rId17"/>
-      <p:italic r:id="rId18"/>
-      <p:boldItalic r:id="rId19"/>
+      <p:regular r:id="rId13"/>
+      <p:bold r:id="rId14"/>
+      <p:italic r:id="rId15"/>
+      <p:boldItalic r:id="rId16"/>
     </p:embeddedFont>
     <p:embeddedFont>
       <p:font typeface="Calibri Light" panose="020F0302020204030204" pitchFamily="34" charset="0"/>
-      <p:regular r:id="rId20"/>
-      <p:italic r:id="rId21"/>
+      <p:regular r:id="rId17"/>
+      <p:italic r:id="rId18"/>
     </p:embeddedFont>
     <p:embeddedFont>
       <p:font typeface="Cambria Math" panose="02040503050406030204" pitchFamily="18" charset="0"/>
-      <p:regular r:id="rId22"/>
+      <p:regular r:id="rId19"/>
     </p:embeddedFont>
     <p:embeddedFont>
       <p:font typeface="Crimson Pro" pitchFamily="2" charset="0"/>
-      <p:regular r:id="rId23"/>
-      <p:bold r:id="rId24"/>
-      <p:italic r:id="rId25"/>
-      <p:boldItalic r:id="rId26"/>
+      <p:regular r:id="rId20"/>
+      <p:bold r:id="rId21"/>
+      <p:italic r:id="rId22"/>
+      <p:boldItalic r:id="rId23"/>
+    </p:embeddedFont>
+    <p:embeddedFont>
+      <p:font typeface="等线" panose="02010600030101010101" pitchFamily="2" charset="-122"/>
+      <p:regular r:id="rId24"/>
+      <p:bold r:id="rId25"/>
     </p:embeddedFont>
   </p:embeddedFontLst>
   <p:defaultTextStyle>
@@ -290,7 +289,7 @@
           <a:p>
             <a:fld id="{C638F82B-80DE-4D05-B7E6-D820D4DCE8FF}" type="datetimeFigureOut">
               <a:rPr lang="zh-CN" altLang="en-US" smtClean="0"/>
-              <a:t>2023/10/22</a:t>
+              <a:t>2023/12/17</a:t>
             </a:fld>
             <a:endParaRPr lang="zh-CN" altLang="en-US"/>
           </a:p>
@@ -688,7 +687,7 @@
           <a:p>
             <a:fld id="{6C36EB17-A7BE-49A5-AC40-166CA06C5194}" type="datetime1">
               <a:rPr lang="zh-CN" altLang="en-US" smtClean="0"/>
-              <a:t>2023/10/22</a:t>
+              <a:t>2023/12/17</a:t>
             </a:fld>
             <a:endParaRPr lang="zh-CN" altLang="en-US"/>
           </a:p>
@@ -858,7 +857,7 @@
           <a:p>
             <a:fld id="{EAFBE82B-C261-4EAB-B1B6-BEF8391AB4D4}" type="datetime1">
               <a:rPr lang="zh-CN" altLang="en-US" smtClean="0"/>
-              <a:t>2023/10/22</a:t>
+              <a:t>2023/12/17</a:t>
             </a:fld>
             <a:endParaRPr lang="zh-CN" altLang="en-US"/>
           </a:p>
@@ -1038,7 +1037,7 @@
           <a:p>
             <a:fld id="{0D20F52E-6D9D-4F69-B995-A6F121D31416}" type="datetime1">
               <a:rPr lang="zh-CN" altLang="en-US" smtClean="0"/>
-              <a:t>2023/10/22</a:t>
+              <a:t>2023/12/17</a:t>
             </a:fld>
             <a:endParaRPr lang="zh-CN" altLang="en-US"/>
           </a:p>
@@ -1208,7 +1207,7 @@
           <a:p>
             <a:fld id="{D46E48F9-4B3D-4990-AA9A-02E9572248D9}" type="datetime1">
               <a:rPr lang="zh-CN" altLang="en-US" smtClean="0"/>
-              <a:t>2023/10/22</a:t>
+              <a:t>2023/12/17</a:t>
             </a:fld>
             <a:endParaRPr lang="zh-CN" altLang="en-US"/>
           </a:p>
@@ -1452,7 +1451,7 @@
           <a:p>
             <a:fld id="{A0BBEB47-94BD-4EF5-AD07-512F33F593C6}" type="datetime1">
               <a:rPr lang="zh-CN" altLang="en-US" smtClean="0"/>
-              <a:t>2023/10/22</a:t>
+              <a:t>2023/12/17</a:t>
             </a:fld>
             <a:endParaRPr lang="zh-CN" altLang="en-US"/>
           </a:p>
@@ -1684,7 +1683,7 @@
           <a:p>
             <a:fld id="{459F825F-98C2-4A3A-B9E5-7DE0B1D848A7}" type="datetime1">
               <a:rPr lang="zh-CN" altLang="en-US" smtClean="0"/>
-              <a:t>2023/10/22</a:t>
+              <a:t>2023/12/17</a:t>
             </a:fld>
             <a:endParaRPr lang="zh-CN" altLang="en-US"/>
           </a:p>
@@ -2051,7 +2050,7 @@
           <a:p>
             <a:fld id="{12F45283-7206-4C08-9C4B-F530C1B43F19}" type="datetime1">
               <a:rPr lang="zh-CN" altLang="en-US" smtClean="0"/>
-              <a:t>2023/10/22</a:t>
+              <a:t>2023/12/17</a:t>
             </a:fld>
             <a:endParaRPr lang="zh-CN" altLang="en-US"/>
           </a:p>
@@ -2169,7 +2168,7 @@
           <a:p>
             <a:fld id="{CC9D5529-C5A2-4027-A443-E7E257440F36}" type="datetime1">
               <a:rPr lang="zh-CN" altLang="en-US" smtClean="0"/>
-              <a:t>2023/10/22</a:t>
+              <a:t>2023/12/17</a:t>
             </a:fld>
             <a:endParaRPr lang="zh-CN" altLang="en-US"/>
           </a:p>
@@ -2264,7 +2263,7 @@
           <a:p>
             <a:fld id="{67196B07-E3D9-4DF8-AF99-508B736F576B}" type="datetime1">
               <a:rPr lang="zh-CN" altLang="en-US" smtClean="0"/>
-              <a:t>2023/10/22</a:t>
+              <a:t>2023/12/17</a:t>
             </a:fld>
             <a:endParaRPr lang="zh-CN" altLang="en-US"/>
           </a:p>
@@ -2541,7 +2540,7 @@
           <a:p>
             <a:fld id="{45B57DFF-0A9F-4F19-A41A-80FFC707DBAB}" type="datetime1">
               <a:rPr lang="zh-CN" altLang="en-US" smtClean="0"/>
-              <a:t>2023/10/22</a:t>
+              <a:t>2023/12/17</a:t>
             </a:fld>
             <a:endParaRPr lang="zh-CN" altLang="en-US"/>
           </a:p>
@@ -2798,7 +2797,7 @@
           <a:p>
             <a:fld id="{DB044E8C-98E9-4AF2-9A32-CE50F9010F6A}" type="datetime1">
               <a:rPr lang="zh-CN" altLang="en-US" smtClean="0"/>
-              <a:t>2023/10/22</a:t>
+              <a:t>2023/12/17</a:t>
             </a:fld>
             <a:endParaRPr lang="zh-CN" altLang="en-US"/>
           </a:p>
@@ -3011,7 +3010,7 @@
           <a:p>
             <a:fld id="{54074037-0731-49FE-9FD9-DB1F93846734}" type="datetime1">
               <a:rPr lang="zh-CN" altLang="en-US" smtClean="0"/>
-              <a:t>2023/10/22</a:t>
+              <a:t>2023/12/17</a:t>
             </a:fld>
             <a:endParaRPr lang="zh-CN" altLang="en-US"/>
           </a:p>
@@ -4040,20 +4039,20 @@
           <p:nvPr>
             <p:extLst>
               <p:ext uri="{D42A27DB-BD31-4B8C-83A1-F6EECF244321}">
-                <p14:modId xmlns:p14="http://schemas.microsoft.com/office/powerpoint/2010/main" val="1726463148"/>
+                <p14:modId xmlns:p14="http://schemas.microsoft.com/office/powerpoint/2010/main" val="1462028490"/>
               </p:ext>
             </p:extLst>
           </p:nvPr>
         </p:nvGraphicFramePr>
         <p:xfrm>
-          <a:off x="594360" y="2458773"/>
+          <a:off x="594360" y="2450385"/>
           <a:ext cx="7938654" cy="736600"/>
         </p:xfrm>
         <a:graphic>
           <a:graphicData uri="http://schemas.openxmlformats.org/drawingml/2006/table">
             <a:tbl>
               <a:tblPr firstRow="1" bandRow="1">
-                <a:tableStyleId>{9DCAF9ED-07DC-4A11-8D7F-57B35C25682E}</a:tableStyleId>
+                <a:tableStyleId>{1FECB4D8-DB02-4DC6-A0A2-4F2EBAE1DC90}</a:tableStyleId>
               </a:tblPr>
               <a:tblGrid>
                 <a:gridCol w="2646218">
@@ -4086,7 +4085,9 @@
                     <a:p>
                       <a:pPr algn="ctr"/>
                       <a:r>
-                        <a:rPr lang="en-US" dirty="0"/>
+                        <a:rPr lang="en-US" dirty="0">
+                          <a:latin typeface="Crimson Pro" pitchFamily="2" charset="0"/>
+                        </a:rPr>
                         <a:t>K = 8</a:t>
                       </a:r>
                     </a:p>
@@ -4100,7 +4101,9 @@
                     <a:p>
                       <a:pPr algn="ctr"/>
                       <a:r>
-                        <a:rPr lang="en-US" b="1" dirty="0"/>
+                        <a:rPr lang="en-US" b="1" dirty="0">
+                          <a:latin typeface="Crimson Pro" pitchFamily="2" charset="0"/>
+                        </a:rPr>
                         <a:t>K= 9</a:t>
                       </a:r>
                     </a:p>
@@ -4114,7 +4117,9 @@
                     <a:p>
                       <a:pPr algn="ctr"/>
                       <a:r>
-                        <a:rPr lang="en-US" dirty="0"/>
+                        <a:rPr lang="en-US" dirty="0">
+                          <a:latin typeface="Crimson Pro" pitchFamily="2" charset="0"/>
+                        </a:rPr>
                         <a:t>K =10</a:t>
                       </a:r>
                     </a:p>
@@ -4135,18 +4140,18 @@
                     <a:p>
                       <a:pPr algn="ctr"/>
                       <a:r>
-                        <a:rPr lang="en-US" sz="1800" b="0" i="0" kern="1200" dirty="0">
+                        <a:rPr lang="en-US" sz="1800" b="0" kern="1200" dirty="0">
                           <a:solidFill>
                             <a:schemeClr val="dk1"/>
                           </a:solidFill>
                           <a:effectLst/>
-                          <a:latin typeface="+mn-lt"/>
-                          <a:ea typeface="+mn-ea"/>
-                          <a:cs typeface="+mn-cs"/>
+                          <a:latin typeface="Crimson Pro" pitchFamily="2" charset="0"/>
                         </a:rPr>
                         <a:t>60.5016</a:t>
                       </a:r>
-                      <a:endParaRPr lang="en-US" dirty="0"/>
+                      <a:endParaRPr lang="en-US" dirty="0">
+                        <a:latin typeface="Crimson Pro" pitchFamily="2" charset="0"/>
+                      </a:endParaRPr>
                     </a:p>
                   </a:txBody>
                   <a:tcPr/>
@@ -4158,18 +4163,18 @@
                     <a:p>
                       <a:pPr algn="ctr"/>
                       <a:r>
-                        <a:rPr lang="en-US" sz="1800" b="1" i="0" kern="1200" dirty="0">
+                        <a:rPr lang="en-US" sz="1800" b="1" kern="1200" dirty="0">
                           <a:solidFill>
                             <a:schemeClr val="dk1"/>
                           </a:solidFill>
                           <a:effectLst/>
-                          <a:latin typeface="+mn-lt"/>
-                          <a:ea typeface="+mn-ea"/>
-                          <a:cs typeface="+mn-cs"/>
+                          <a:latin typeface="Crimson Pro" pitchFamily="2" charset="0"/>
                         </a:rPr>
                         <a:t>58.4312</a:t>
                       </a:r>
-                      <a:endParaRPr lang="en-US" b="1" dirty="0"/>
+                      <a:endParaRPr lang="en-US" b="1" dirty="0">
+                        <a:latin typeface="Crimson Pro" pitchFamily="2" charset="0"/>
+                      </a:endParaRPr>
                     </a:p>
                   </a:txBody>
                   <a:tcPr/>
@@ -4181,18 +4186,18 @@
                     <a:p>
                       <a:pPr algn="ctr"/>
                       <a:r>
-                        <a:rPr lang="en-US" sz="1800" b="0" i="0" kern="1200" dirty="0">
+                        <a:rPr lang="en-US" sz="1800" b="0" kern="1200" dirty="0">
                           <a:solidFill>
                             <a:schemeClr val="dk1"/>
                           </a:solidFill>
                           <a:effectLst/>
-                          <a:latin typeface="+mn-lt"/>
-                          <a:ea typeface="+mn-ea"/>
-                          <a:cs typeface="+mn-cs"/>
+                          <a:latin typeface="Crimson Pro" pitchFamily="2" charset="0"/>
                         </a:rPr>
                         <a:t>60.5295</a:t>
                       </a:r>
-                      <a:endParaRPr lang="en-US" dirty="0"/>
+                      <a:endParaRPr lang="en-US" dirty="0">
+                        <a:latin typeface="Crimson Pro" pitchFamily="2" charset="0"/>
+                      </a:endParaRPr>
                     </a:p>
                   </a:txBody>
                   <a:tcPr/>
@@ -4229,8 +4234,8 @@
         </p:blipFill>
         <p:spPr>
           <a:xfrm>
-            <a:off x="1023442" y="3792411"/>
-            <a:ext cx="7097115" cy="1314633"/>
+            <a:off x="1914779" y="4080679"/>
+            <a:ext cx="5314441" cy="984420"/>
           </a:xfrm>
           <a:prstGeom prst="rect">
             <a:avLst/>
@@ -4295,289 +4300,12 @@
           </a:p>
         </p:txBody>
       </p:sp>
-    </p:spTree>
-    <p:extLst>
-      <p:ext uri="{BB962C8B-B14F-4D97-AF65-F5344CB8AC3E}">
-        <p14:creationId xmlns:p14="http://schemas.microsoft.com/office/powerpoint/2010/main" val="1686504411"/>
-      </p:ext>
-    </p:extLst>
-  </p:cSld>
-  <p:clrMapOvr>
-    <a:masterClrMapping/>
-  </p:clrMapOvr>
-</p:sld>
-</file>
-
-<file path=ppt/slides/slide11.xml><?xml version="1.0" encoding="utf-8"?>
-<p:sld xmlns:a="http://schemas.openxmlformats.org/drawingml/2006/main" xmlns:r="http://schemas.openxmlformats.org/officeDocument/2006/relationships" xmlns:p="http://schemas.openxmlformats.org/presentationml/2006/main">
-  <p:cSld>
-    <p:spTree>
-      <p:nvGrpSpPr>
-        <p:cNvPr id="1" name=""/>
-        <p:cNvGrpSpPr/>
-        <p:nvPr/>
-      </p:nvGrpSpPr>
-      <p:grpSpPr>
-        <a:xfrm>
-          <a:off x="0" y="0"/>
-          <a:ext cx="0" cy="0"/>
-          <a:chOff x="0" y="0"/>
-          <a:chExt cx="0" cy="0"/>
-        </a:xfrm>
-      </p:grpSpPr>
-      <p:sp>
-        <p:nvSpPr>
-          <p:cNvPr id="21" name="矩形 20">
+      <p:cxnSp>
+        <p:nvCxnSpPr>
+          <p:cNvPr id="8" name="直接箭头连接符 7">
             <a:extLst>
               <a:ext uri="{FF2B5EF4-FFF2-40B4-BE49-F238E27FC236}">
-                <a16:creationId xmlns:a16="http://schemas.microsoft.com/office/drawing/2014/main" id="{681031C1-3098-3BB5-0052-4B3F26D6CD5E}"/>
-              </a:ext>
-            </a:extLst>
-          </p:cNvPr>
-          <p:cNvSpPr/>
-          <p:nvPr/>
-        </p:nvSpPr>
-        <p:spPr>
-          <a:xfrm>
-            <a:off x="2" y="1"/>
-            <a:ext cx="9143999" cy="1233354"/>
-          </a:xfrm>
-          <a:prstGeom prst="rect">
-            <a:avLst/>
-          </a:prstGeom>
-          <a:solidFill>
-            <a:schemeClr val="bg1"/>
-          </a:solidFill>
-          <a:ln>
-            <a:noFill/>
-          </a:ln>
-        </p:spPr>
-        <p:style>
-          <a:lnRef idx="0">
-            <a:scrgbClr r="0" g="0" b="0"/>
-          </a:lnRef>
-          <a:fillRef idx="0">
-            <a:scrgbClr r="0" g="0" b="0"/>
-          </a:fillRef>
-          <a:effectRef idx="0">
-            <a:scrgbClr r="0" g="0" b="0"/>
-          </a:effectRef>
-          <a:fontRef idx="minor">
-            <a:schemeClr val="lt1"/>
-          </a:fontRef>
-        </p:style>
-        <p:txBody>
-          <a:bodyPr rtlCol="0" anchor="ctr"/>
-          <a:lstStyle/>
-          <a:p>
-            <a:pPr algn="ctr"/>
-            <a:endParaRPr lang="zh-CN" altLang="en-US"/>
-          </a:p>
-        </p:txBody>
-      </p:sp>
-      <p:sp>
-        <p:nvSpPr>
-          <p:cNvPr id="23" name="文本框 22">
-            <a:extLst>
-              <a:ext uri="{FF2B5EF4-FFF2-40B4-BE49-F238E27FC236}">
-                <a16:creationId xmlns:a16="http://schemas.microsoft.com/office/drawing/2014/main" id="{9B0745F3-288B-7C87-3DB5-E79C53B2B954}"/>
-              </a:ext>
-            </a:extLst>
-          </p:cNvPr>
-          <p:cNvSpPr txBox="1"/>
-          <p:nvPr/>
-        </p:nvSpPr>
-        <p:spPr>
-          <a:xfrm>
-            <a:off x="-1221971" y="315113"/>
-            <a:ext cx="11587942" cy="584775"/>
-          </a:xfrm>
-          <a:prstGeom prst="rect">
-            <a:avLst/>
-          </a:prstGeom>
-          <a:noFill/>
-        </p:spPr>
-        <p:txBody>
-          <a:bodyPr wrap="square" rtlCol="0">
-            <a:spAutoFit/>
-          </a:bodyPr>
-          <a:lstStyle/>
-          <a:p>
-            <a:pPr algn="ctr"/>
-            <a:r>
-              <a:rPr lang="en-US" altLang="zh-CN" sz="3200" dirty="0">
-                <a:latin typeface="Crimson Pro" pitchFamily="2" charset="0"/>
-                <a:ea typeface="微软雅黑" panose="020B0503020204020204" pitchFamily="34" charset="-122"/>
-                <a:cs typeface="Times New Roman" panose="02020603050405020304" pitchFamily="18" charset="0"/>
-              </a:rPr>
-              <a:t>Linear Feature Engineering</a:t>
-            </a:r>
-          </a:p>
-        </p:txBody>
-      </p:sp>
-      <p:sp>
-        <p:nvSpPr>
-          <p:cNvPr id="24" name="矩形 23">
-            <a:extLst>
-              <a:ext uri="{FF2B5EF4-FFF2-40B4-BE49-F238E27FC236}">
-                <a16:creationId xmlns:a16="http://schemas.microsoft.com/office/drawing/2014/main" id="{EC6E72F0-C48C-BF74-1CAE-9763CAED821F}"/>
-              </a:ext>
-            </a:extLst>
-          </p:cNvPr>
-          <p:cNvSpPr/>
-          <p:nvPr/>
-        </p:nvSpPr>
-        <p:spPr>
-          <a:xfrm>
-            <a:off x="2" y="5976851"/>
-            <a:ext cx="9143999" cy="881149"/>
-          </a:xfrm>
-          <a:prstGeom prst="rect">
-            <a:avLst/>
-          </a:prstGeom>
-          <a:solidFill>
-            <a:schemeClr val="bg1"/>
-          </a:solidFill>
-          <a:ln>
-            <a:noFill/>
-          </a:ln>
-        </p:spPr>
-        <p:style>
-          <a:lnRef idx="0">
-            <a:scrgbClr r="0" g="0" b="0"/>
-          </a:lnRef>
-          <a:fillRef idx="0">
-            <a:scrgbClr r="0" g="0" b="0"/>
-          </a:fillRef>
-          <a:effectRef idx="0">
-            <a:scrgbClr r="0" g="0" b="0"/>
-          </a:effectRef>
-          <a:fontRef idx="minor">
-            <a:schemeClr val="lt1"/>
-          </a:fontRef>
-        </p:style>
-        <p:txBody>
-          <a:bodyPr rtlCol="0" anchor="ctr"/>
-          <a:lstStyle/>
-          <a:p>
-            <a:pPr algn="ctr"/>
-            <a:endParaRPr lang="zh-CN" altLang="en-US"/>
-          </a:p>
-        </p:txBody>
-      </p:sp>
-      <p:grpSp>
-        <p:nvGrpSpPr>
-          <p:cNvPr id="27" name="组合 26">
-            <a:extLst>
-              <a:ext uri="{FF2B5EF4-FFF2-40B4-BE49-F238E27FC236}">
-                <a16:creationId xmlns:a16="http://schemas.microsoft.com/office/drawing/2014/main" id="{87DE6DC2-82E7-7FD2-1764-763BB24FBC2B}"/>
-              </a:ext>
-            </a:extLst>
-          </p:cNvPr>
-          <p:cNvGrpSpPr/>
-          <p:nvPr/>
-        </p:nvGrpSpPr>
-        <p:grpSpPr>
-          <a:xfrm>
-            <a:off x="895093" y="6061254"/>
-            <a:ext cx="6073656" cy="707886"/>
-            <a:chOff x="703899" y="6111132"/>
-            <a:chExt cx="6073656" cy="707886"/>
-          </a:xfrm>
-        </p:grpSpPr>
-        <p:sp>
-          <p:nvSpPr>
-            <p:cNvPr id="25" name="文本框 24">
-              <a:extLst>
-                <a:ext uri="{FF2B5EF4-FFF2-40B4-BE49-F238E27FC236}">
-                  <a16:creationId xmlns:a16="http://schemas.microsoft.com/office/drawing/2014/main" id="{FDD80F06-9F23-57C3-AA82-7244490FE0BB}"/>
-                </a:ext>
-              </a:extLst>
-            </p:cNvPr>
-            <p:cNvSpPr txBox="1"/>
-            <p:nvPr/>
-          </p:nvSpPr>
-          <p:spPr>
-            <a:xfrm>
-              <a:off x="703899" y="6111132"/>
-              <a:ext cx="6073656" cy="707886"/>
-            </a:xfrm>
-            <a:prstGeom prst="rect">
-              <a:avLst/>
-            </a:prstGeom>
-            <a:noFill/>
-          </p:spPr>
-          <p:txBody>
-            <a:bodyPr wrap="square">
-              <a:spAutoFit/>
-            </a:bodyPr>
-            <a:lstStyle/>
-            <a:p>
-              <a:pPr algn="ctr"/>
-              <a:r>
-                <a:rPr lang="en-GB" altLang="zh-CN" sz="4000" dirty="0">
-                  <a:latin typeface="Crimson Pro" pitchFamily="2" charset="0"/>
-                  <a:cs typeface="Times New Roman" panose="02020603050405020304" pitchFamily="18" charset="0"/>
-                </a:rPr>
-                <a:t>Thank </a:t>
-              </a:r>
-              <a:r>
-                <a:rPr lang="en-US" altLang="zh-CN" sz="4000" dirty="0">
-                  <a:latin typeface="Crimson Pro" pitchFamily="2" charset="0"/>
-                  <a:cs typeface="Times New Roman" panose="02020603050405020304" pitchFamily="18" charset="0"/>
-                </a:rPr>
-                <a:t>you!</a:t>
-              </a:r>
-              <a:endParaRPr lang="zh-CN" altLang="en-US" sz="4000" dirty="0">
-                <a:latin typeface="Crimson Pro" pitchFamily="2" charset="0"/>
-                <a:cs typeface="Times New Roman" panose="02020603050405020304" pitchFamily="18" charset="0"/>
-              </a:endParaRPr>
-            </a:p>
-          </p:txBody>
-        </p:sp>
-        <p:pic>
-          <p:nvPicPr>
-            <p:cNvPr id="26" name="图片 25">
-              <a:extLst>
-                <a:ext uri="{FF2B5EF4-FFF2-40B4-BE49-F238E27FC236}">
-                  <a16:creationId xmlns:a16="http://schemas.microsoft.com/office/drawing/2014/main" id="{598419D8-37D3-700F-B121-C18306D88D6F}"/>
-                </a:ext>
-              </a:extLst>
-            </p:cNvPr>
-            <p:cNvPicPr>
-              <a:picLocks noChangeAspect="1"/>
-            </p:cNvPicPr>
-            <p:nvPr/>
-          </p:nvPicPr>
-          <p:blipFill>
-            <a:blip r:embed="rId2" cstate="hqprint">
-              <a:extLst>
-                <a:ext uri="{28A0092B-C50C-407E-A947-70E740481C1C}">
-                  <a14:useLocalDpi xmlns:a14="http://schemas.microsoft.com/office/drawing/2010/main" val="0"/>
-                </a:ext>
-              </a:extLst>
-            </a:blip>
-            <a:stretch>
-              <a:fillRect/>
-            </a:stretch>
-          </p:blipFill>
-          <p:spPr>
-            <a:xfrm>
-              <a:off x="5671192" y="6235860"/>
-              <a:ext cx="513278" cy="512762"/>
-            </a:xfrm>
-            <a:prstGeom prst="rect">
-              <a:avLst/>
-            </a:prstGeom>
-          </p:spPr>
-        </p:pic>
-      </p:grpSp>
-      <p:cxnSp>
-        <p:nvCxnSpPr>
-          <p:cNvPr id="28" name="直接连接符 27">
-            <a:extLst>
-              <a:ext uri="{FF2B5EF4-FFF2-40B4-BE49-F238E27FC236}">
-                <a16:creationId xmlns:a16="http://schemas.microsoft.com/office/drawing/2014/main" id="{1407D7DD-2B50-450B-F752-9055EAD1A651}"/>
+                <a16:creationId xmlns:a16="http://schemas.microsoft.com/office/drawing/2014/main" id="{9A5A2D2F-991E-A2D5-1711-EAE70AA5F708}"/>
               </a:ext>
             </a:extLst>
           </p:cNvPr>
@@ -4587,239 +4315,36 @@
           <p:nvPr/>
         </p:nvCxnSpPr>
         <p:spPr>
-          <a:xfrm>
-            <a:off x="3" y="1230489"/>
-            <a:ext cx="9143999" cy="0"/>
+          <a:xfrm flipV="1">
+            <a:off x="4572000" y="3380764"/>
+            <a:ext cx="0" cy="926984"/>
           </a:xfrm>
-          <a:prstGeom prst="line">
+          <a:prstGeom prst="straightConnector1">
             <a:avLst/>
           </a:prstGeom>
-          <a:ln w="12700" cap="flat" cmpd="sng" algn="ctr">
-            <a:solidFill>
-              <a:schemeClr val="accent3"/>
-            </a:solidFill>
-            <a:prstDash val="dash"/>
-            <a:round/>
-            <a:headEnd type="none" w="med" len="med"/>
-            <a:tailEnd type="none" w="med" len="med"/>
+          <a:ln w="28575">
+            <a:tailEnd type="triangle"/>
           </a:ln>
         </p:spPr>
         <p:style>
-          <a:lnRef idx="0">
-            <a:scrgbClr r="0" g="0" b="0"/>
+          <a:lnRef idx="1">
+            <a:schemeClr val="dk1"/>
           </a:lnRef>
           <a:fillRef idx="0">
-            <a:scrgbClr r="0" g="0" b="0"/>
+            <a:schemeClr val="dk1"/>
           </a:fillRef>
           <a:effectRef idx="0">
-            <a:scrgbClr r="0" g="0" b="0"/>
+            <a:schemeClr val="dk1"/>
           </a:effectRef>
           <a:fontRef idx="minor">
             <a:schemeClr val="tx1"/>
           </a:fontRef>
         </p:style>
       </p:cxnSp>
-      <p:cxnSp>
-        <p:nvCxnSpPr>
-          <p:cNvPr id="29" name="直接连接符 28">
-            <a:extLst>
-              <a:ext uri="{FF2B5EF4-FFF2-40B4-BE49-F238E27FC236}">
-                <a16:creationId xmlns:a16="http://schemas.microsoft.com/office/drawing/2014/main" id="{E70E3FA8-68A5-88A6-FFE5-B5A4AB3087F7}"/>
-              </a:ext>
-            </a:extLst>
-          </p:cNvPr>
-          <p:cNvCxnSpPr>
-            <a:cxnSpLocks/>
-          </p:cNvCxnSpPr>
-          <p:nvPr/>
-        </p:nvCxnSpPr>
-        <p:spPr>
-          <a:xfrm>
-            <a:off x="3" y="5979673"/>
-            <a:ext cx="9143999" cy="0"/>
-          </a:xfrm>
-          <a:prstGeom prst="line">
-            <a:avLst/>
-          </a:prstGeom>
-          <a:ln w="12700" cap="flat" cmpd="sng" algn="ctr">
-            <a:solidFill>
-              <a:schemeClr val="accent3"/>
-            </a:solidFill>
-            <a:prstDash val="dash"/>
-            <a:round/>
-            <a:headEnd type="none" w="med" len="med"/>
-            <a:tailEnd type="none" w="med" len="med"/>
-          </a:ln>
-        </p:spPr>
-        <p:style>
-          <a:lnRef idx="0">
-            <a:scrgbClr r="0" g="0" b="0"/>
-          </a:lnRef>
-          <a:fillRef idx="0">
-            <a:scrgbClr r="0" g="0" b="0"/>
-          </a:fillRef>
-          <a:effectRef idx="0">
-            <a:scrgbClr r="0" g="0" b="0"/>
-          </a:effectRef>
-          <a:fontRef idx="minor">
-            <a:schemeClr val="tx1"/>
-          </a:fontRef>
-        </p:style>
-      </p:cxnSp>
-      <p:pic>
-        <p:nvPicPr>
-          <p:cNvPr id="5" name="图片 4">
-            <a:extLst>
-              <a:ext uri="{FF2B5EF4-FFF2-40B4-BE49-F238E27FC236}">
-                <a16:creationId xmlns:a16="http://schemas.microsoft.com/office/drawing/2014/main" id="{1DF00E19-4A40-F823-B2C8-52475E136E7C}"/>
-              </a:ext>
-            </a:extLst>
-          </p:cNvPr>
-          <p:cNvPicPr>
-            <a:picLocks noChangeAspect="1"/>
-          </p:cNvPicPr>
-          <p:nvPr/>
-        </p:nvPicPr>
-        <p:blipFill>
-          <a:blip r:embed="rId3"/>
-          <a:stretch>
-            <a:fillRect/>
-          </a:stretch>
-        </p:blipFill>
-        <p:spPr>
-          <a:xfrm>
-            <a:off x="87808" y="1326458"/>
-            <a:ext cx="2945159" cy="2208869"/>
-          </a:xfrm>
-          <a:prstGeom prst="rect">
-            <a:avLst/>
-          </a:prstGeom>
-        </p:spPr>
-      </p:pic>
-      <p:pic>
-        <p:nvPicPr>
-          <p:cNvPr id="6" name="图片 5">
-            <a:extLst>
-              <a:ext uri="{FF2B5EF4-FFF2-40B4-BE49-F238E27FC236}">
-                <a16:creationId xmlns:a16="http://schemas.microsoft.com/office/drawing/2014/main" id="{E4A077F3-00B0-5680-BDF9-FE31B22EDDE9}"/>
-              </a:ext>
-            </a:extLst>
-          </p:cNvPr>
-          <p:cNvPicPr>
-            <a:picLocks noChangeAspect="1"/>
-          </p:cNvPicPr>
-          <p:nvPr/>
-        </p:nvPicPr>
-        <p:blipFill>
-          <a:blip r:embed="rId4"/>
-          <a:stretch>
-            <a:fillRect/>
-          </a:stretch>
-        </p:blipFill>
-        <p:spPr>
-          <a:xfrm>
-            <a:off x="3098432" y="1313606"/>
-            <a:ext cx="3012603" cy="2259452"/>
-          </a:xfrm>
-          <a:prstGeom prst="rect">
-            <a:avLst/>
-          </a:prstGeom>
-        </p:spPr>
-      </p:pic>
-      <p:pic>
-        <p:nvPicPr>
-          <p:cNvPr id="7" name="图片 6">
-            <a:extLst>
-              <a:ext uri="{FF2B5EF4-FFF2-40B4-BE49-F238E27FC236}">
-                <a16:creationId xmlns:a16="http://schemas.microsoft.com/office/drawing/2014/main" id="{219CCE7F-C5CE-FA61-738D-74A1004D4DB5}"/>
-              </a:ext>
-            </a:extLst>
-          </p:cNvPr>
-          <p:cNvPicPr>
-            <a:picLocks noChangeAspect="1"/>
-          </p:cNvPicPr>
-          <p:nvPr/>
-        </p:nvPicPr>
-        <p:blipFill>
-          <a:blip r:embed="rId5"/>
-          <a:stretch>
-            <a:fillRect/>
-          </a:stretch>
-        </p:blipFill>
-        <p:spPr>
-          <a:xfrm>
-            <a:off x="6173014" y="1312071"/>
-            <a:ext cx="2921312" cy="2190984"/>
-          </a:xfrm>
-          <a:prstGeom prst="rect">
-            <a:avLst/>
-          </a:prstGeom>
-        </p:spPr>
-      </p:pic>
-      <p:pic>
-        <p:nvPicPr>
-          <p:cNvPr id="2" name="Picture 1"/>
-          <p:cNvPicPr>
-            <a:picLocks noChangeAspect="1"/>
-          </p:cNvPicPr>
-          <p:nvPr/>
-        </p:nvPicPr>
-        <p:blipFill>
-          <a:blip r:embed="rId6" cstate="hqprint">
-            <a:extLst>
-              <a:ext uri="{28A0092B-C50C-407E-A947-70E740481C1C}">
-                <a14:useLocalDpi xmlns:a14="http://schemas.microsoft.com/office/drawing/2010/main" val="0"/>
-              </a:ext>
-            </a:extLst>
-          </a:blip>
-          <a:stretch>
-            <a:fillRect/>
-          </a:stretch>
-        </p:blipFill>
-        <p:spPr>
-          <a:xfrm>
-            <a:off x="108164" y="3644910"/>
-            <a:ext cx="2948120" cy="2100740"/>
-          </a:xfrm>
-          <a:prstGeom prst="rect">
-            <a:avLst/>
-          </a:prstGeom>
-        </p:spPr>
-      </p:pic>
-      <p:pic>
-        <p:nvPicPr>
-          <p:cNvPr id="3" name="Picture 2"/>
-          <p:cNvPicPr>
-            <a:picLocks noChangeAspect="1"/>
-          </p:cNvPicPr>
-          <p:nvPr/>
-        </p:nvPicPr>
-        <p:blipFill>
-          <a:blip r:embed="rId7" cstate="hqprint">
-            <a:extLst>
-              <a:ext uri="{28A0092B-C50C-407E-A947-70E740481C1C}">
-                <a14:useLocalDpi xmlns:a14="http://schemas.microsoft.com/office/drawing/2010/main" val="0"/>
-              </a:ext>
-            </a:extLst>
-          </a:blip>
-          <a:stretch>
-            <a:fillRect/>
-          </a:stretch>
-        </p:blipFill>
-        <p:spPr>
-          <a:xfrm>
-            <a:off x="3092985" y="3645020"/>
-            <a:ext cx="3012603" cy="2182600"/>
-          </a:xfrm>
-          <a:prstGeom prst="rect">
-            <a:avLst/>
-          </a:prstGeom>
-        </p:spPr>
-      </p:pic>
     </p:spTree>
     <p:extLst>
       <p:ext uri="{BB962C8B-B14F-4D97-AF65-F5344CB8AC3E}">
-        <p14:creationId xmlns:p14="http://schemas.microsoft.com/office/powerpoint/2010/main" val="684922162"/>
+        <p14:creationId xmlns:p14="http://schemas.microsoft.com/office/powerpoint/2010/main" val="1686504411"/>
       </p:ext>
     </p:extLst>
   </p:cSld>
@@ -14691,101 +14216,148 @@
           </a:p>
         </p:txBody>
       </p:sp>
-      <p:pic>
-        <p:nvPicPr>
-          <p:cNvPr id="12" name="Picture 11"/>
-          <p:cNvPicPr>
-            <a:picLocks noChangeAspect="1"/>
-          </p:cNvPicPr>
-          <p:nvPr/>
-        </p:nvPicPr>
-        <p:blipFill>
-          <a:blip r:embed="rId2">
+      <p:grpSp>
+        <p:nvGrpSpPr>
+          <p:cNvPr id="4" name="组合 3">
             <a:extLst>
-              <a:ext uri="{28A0092B-C50C-407E-A947-70E740481C1C}">
-                <a14:useLocalDpi xmlns:a14="http://schemas.microsoft.com/office/drawing/2010/main" val="0"/>
+              <a:ext uri="{FF2B5EF4-FFF2-40B4-BE49-F238E27FC236}">
+                <a16:creationId xmlns:a16="http://schemas.microsoft.com/office/drawing/2014/main" id="{66C99B54-2610-4346-5263-F973330C0C9B}"/>
               </a:ext>
             </a:extLst>
-          </a:blip>
-          <a:stretch>
-            <a:fillRect/>
-          </a:stretch>
-        </p:blipFill>
-        <p:spPr>
+          </p:cNvPr>
+          <p:cNvGrpSpPr/>
+          <p:nvPr/>
+        </p:nvGrpSpPr>
+        <p:grpSpPr>
           <a:xfrm>
-            <a:off x="184515" y="1215187"/>
-            <a:ext cx="8395536" cy="4270298"/>
+            <a:off x="352285" y="1236156"/>
+            <a:ext cx="8395536" cy="4443955"/>
+            <a:chOff x="184515" y="1215187"/>
+            <a:chExt cx="8395536" cy="4443955"/>
           </a:xfrm>
-          <a:prstGeom prst="rect">
-            <a:avLst/>
-          </a:prstGeom>
-        </p:spPr>
-      </p:pic>
-      <p:sp>
-        <p:nvSpPr>
-          <p:cNvPr id="15" name="Rectangle 14"/>
-          <p:cNvSpPr/>
-          <p:nvPr/>
-        </p:nvSpPr>
-        <p:spPr>
-          <a:xfrm>
-            <a:off x="931027" y="5344794"/>
-            <a:ext cx="7640712" cy="646331"/>
-          </a:xfrm>
-          <a:prstGeom prst="rect">
-            <a:avLst/>
-          </a:prstGeom>
-        </p:spPr>
-        <p:txBody>
-          <a:bodyPr wrap="square">
-            <a:spAutoFit/>
-          </a:bodyPr>
-          <a:lstStyle/>
-          <a:p>
-            <a:r>
-              <a:rPr lang="en-US" altLang="zh-CN" dirty="0">
-                <a:latin typeface="Crimson Pro" pitchFamily="2" charset="0"/>
-                <a:ea typeface="微软雅黑" panose="020B0503020204020204" pitchFamily="34" charset="-122"/>
-                <a:cs typeface="Times New Roman" panose="02020603050405020304" pitchFamily="18" charset="0"/>
-              </a:rPr>
-              <a:t> - </a:t>
-            </a:r>
-            <a:r>
-              <a:rPr lang="en-US" altLang="zh-CN" i="1" dirty="0">
-                <a:latin typeface="Crimson Pro" pitchFamily="2" charset="0"/>
-                <a:ea typeface="微软雅黑" panose="020B0503020204020204" pitchFamily="34" charset="-122"/>
-                <a:cs typeface="Times New Roman" panose="02020603050405020304" pitchFamily="18" charset="0"/>
-              </a:rPr>
-              <a:t>X-axis represents the index of the values</a:t>
-            </a:r>
-            <a:r>
-              <a:rPr lang="en-US" dirty="0">
-                <a:solidFill>
-                  <a:srgbClr val="8A1F11"/>
-                </a:solidFill>
-                <a:latin typeface="Crimson Pro" pitchFamily="2" charset="0"/>
-                <a:ea typeface="微软雅黑" panose="020B0503020204020204" pitchFamily="34" charset="-122"/>
-                <a:cs typeface="Times New Roman" panose="02020603050405020304" pitchFamily="18" charset="0"/>
-              </a:rPr>
-              <a:t> </a:t>
-            </a:r>
-          </a:p>
-          <a:p>
-            <a:r>
-              <a:rPr lang="en-US" dirty="0">
-                <a:solidFill>
-                  <a:srgbClr val="8A1F11"/>
-                </a:solidFill>
-                <a:latin typeface="Crimson Pro" pitchFamily="2" charset="0"/>
-                <a:ea typeface="微软雅黑" panose="020B0503020204020204" pitchFamily="34" charset="-122"/>
-                <a:cs typeface="Times New Roman" panose="02020603050405020304" pitchFamily="18" charset="0"/>
-              </a:rPr>
-              <a:t> - Y-axis represents the  Y(true)/Y(predicted) values </a:t>
-            </a:r>
-            <a:endParaRPr lang="en-US" dirty="0"/>
-          </a:p>
-        </p:txBody>
-      </p:sp>
+        </p:grpSpPr>
+        <p:pic>
+          <p:nvPicPr>
+            <p:cNvPr id="12" name="Picture 11"/>
+            <p:cNvPicPr>
+              <a:picLocks noChangeAspect="1"/>
+            </p:cNvPicPr>
+            <p:nvPr/>
+          </p:nvPicPr>
+          <p:blipFill>
+            <a:blip r:embed="rId2">
+              <a:extLst>
+                <a:ext uri="{28A0092B-C50C-407E-A947-70E740481C1C}">
+                  <a14:useLocalDpi xmlns:a14="http://schemas.microsoft.com/office/drawing/2010/main" val="0"/>
+                </a:ext>
+              </a:extLst>
+            </a:blip>
+            <a:stretch>
+              <a:fillRect/>
+            </a:stretch>
+          </p:blipFill>
+          <p:spPr>
+            <a:xfrm>
+              <a:off x="184515" y="1215187"/>
+              <a:ext cx="8395536" cy="4270298"/>
+            </a:xfrm>
+            <a:prstGeom prst="rect">
+              <a:avLst/>
+            </a:prstGeom>
+          </p:spPr>
+        </p:pic>
+        <p:sp>
+          <p:nvSpPr>
+            <p:cNvPr id="15" name="Rectangle 14"/>
+            <p:cNvSpPr/>
+            <p:nvPr/>
+          </p:nvSpPr>
+          <p:spPr>
+            <a:xfrm>
+              <a:off x="1711199" y="5289810"/>
+              <a:ext cx="5415245" cy="369332"/>
+            </a:xfrm>
+            <a:prstGeom prst="rect">
+              <a:avLst/>
+            </a:prstGeom>
+          </p:spPr>
+          <p:txBody>
+            <a:bodyPr wrap="square">
+              <a:spAutoFit/>
+            </a:bodyPr>
+            <a:lstStyle/>
+            <a:p>
+              <a:pPr algn="ctr"/>
+              <a:r>
+                <a:rPr lang="en-US" altLang="zh-CN" dirty="0">
+                  <a:solidFill>
+                    <a:srgbClr val="8A1F11"/>
+                  </a:solidFill>
+                  <a:latin typeface="Crimson Pro" pitchFamily="2" charset="0"/>
+                  <a:ea typeface="微软雅黑" panose="020B0503020204020204" pitchFamily="34" charset="-122"/>
+                  <a:cs typeface="Times New Roman" panose="02020603050405020304" pitchFamily="18" charset="0"/>
+                </a:rPr>
+                <a:t> index of the values</a:t>
+              </a:r>
+              <a:r>
+                <a:rPr lang="en-US" dirty="0">
+                  <a:solidFill>
+                    <a:srgbClr val="8A1F11"/>
+                  </a:solidFill>
+                  <a:latin typeface="Crimson Pro" pitchFamily="2" charset="0"/>
+                  <a:ea typeface="微软雅黑" panose="020B0503020204020204" pitchFamily="34" charset="-122"/>
+                  <a:cs typeface="Times New Roman" panose="02020603050405020304" pitchFamily="18" charset="0"/>
+                </a:rPr>
+                <a:t> </a:t>
+              </a:r>
+            </a:p>
+          </p:txBody>
+        </p:sp>
+        <p:sp>
+          <p:nvSpPr>
+            <p:cNvPr id="3" name="文本框 2">
+              <a:extLst>
+                <a:ext uri="{FF2B5EF4-FFF2-40B4-BE49-F238E27FC236}">
+                  <a16:creationId xmlns:a16="http://schemas.microsoft.com/office/drawing/2014/main" id="{B16BC870-F62A-92BB-4B8F-F0CD6207BB7F}"/>
+                </a:ext>
+              </a:extLst>
+            </p:cNvPr>
+            <p:cNvSpPr txBox="1"/>
+            <p:nvPr/>
+          </p:nvSpPr>
+          <p:spPr>
+            <a:xfrm rot="16200000">
+              <a:off x="-988765" y="2953770"/>
+              <a:ext cx="3709855" cy="369332"/>
+            </a:xfrm>
+            <a:prstGeom prst="rect">
+              <a:avLst/>
+            </a:prstGeom>
+            <a:noFill/>
+          </p:spPr>
+          <p:txBody>
+            <a:bodyPr wrap="square">
+              <a:spAutoFit/>
+            </a:bodyPr>
+            <a:lstStyle/>
+            <a:p>
+              <a:pPr algn="ctr"/>
+              <a:r>
+                <a:rPr lang="en-US" altLang="zh-CN" dirty="0">
+                  <a:solidFill>
+                    <a:srgbClr val="8A1F11"/>
+                  </a:solidFill>
+                  <a:latin typeface="Crimson Pro" pitchFamily="2" charset="0"/>
+                  <a:ea typeface="微软雅黑" panose="020B0503020204020204" pitchFamily="34" charset="-122"/>
+                  <a:cs typeface="Times New Roman" panose="02020603050405020304" pitchFamily="18" charset="0"/>
+                </a:rPr>
+                <a:t>True / predicted values </a:t>
+              </a:r>
+              <a:endParaRPr lang="zh-CN" altLang="en-US" dirty="0"/>
+            </a:p>
+          </p:txBody>
+        </p:sp>
+      </p:grpSp>
     </p:spTree>
     <p:extLst>
       <p:ext uri="{BB962C8B-B14F-4D97-AF65-F5344CB8AC3E}">
